--- a/2DBoatRacePresentation.pptx
+++ b/2DBoatRacePresentation.pptx
@@ -8,6 +8,8 @@
     <p:sldId id="256" r:id="rId2"/>
     <p:sldId id="257" r:id="rId3"/>
     <p:sldId id="258" r:id="rId4"/>
+    <p:sldId id="259" r:id="rId5"/>
+    <p:sldId id="260" r:id="rId6"/>
   </p:sldIdLst>
   <p:sldSz cx="12192000" cy="6858000"/>
   <p:notesSz cx="6858000" cy="9144000"/>
@@ -860,7 +862,7 @@
             <a:fld id="{48A87A34-81AB-432B-8DAE-1953F412C126}" type="datetimeFigureOut">
               <a:rPr lang="en-US" smtClean="0"/>
               <a:pPr/>
-              <a:t>10/27/19</a:t>
+              <a:t>10/30/19</a:t>
             </a:fld>
             <a:endParaRPr lang="en-US" dirty="0"/>
           </a:p>
@@ -1112,7 +1114,7 @@
             <a:fld id="{48A87A34-81AB-432B-8DAE-1953F412C126}" type="datetimeFigureOut">
               <a:rPr lang="en-US" smtClean="0"/>
               <a:pPr/>
-              <a:t>10/27/19</a:t>
+              <a:t>10/30/19</a:t>
             </a:fld>
             <a:endParaRPr lang="en-US" dirty="0"/>
           </a:p>
@@ -1428,7 +1430,7 @@
             <a:fld id="{48A87A34-81AB-432B-8DAE-1953F412C126}" type="datetimeFigureOut">
               <a:rPr lang="en-US" smtClean="0"/>
               <a:pPr/>
-              <a:t>10/27/19</a:t>
+              <a:t>10/30/19</a:t>
             </a:fld>
             <a:endParaRPr lang="en-US" dirty="0"/>
           </a:p>
@@ -1763,7 +1765,7 @@
             <a:fld id="{48A87A34-81AB-432B-8DAE-1953F412C126}" type="datetimeFigureOut">
               <a:rPr lang="en-US" smtClean="0"/>
               <a:pPr/>
-              <a:t>10/27/19</a:t>
+              <a:t>10/30/19</a:t>
             </a:fld>
             <a:endParaRPr lang="en-US" dirty="0"/>
           </a:p>
@@ -2079,7 +2081,7 @@
             <a:fld id="{48A87A34-81AB-432B-8DAE-1953F412C126}" type="datetimeFigureOut">
               <a:rPr lang="en-US" smtClean="0"/>
               <a:pPr/>
-              <a:t>10/27/19</a:t>
+              <a:t>10/30/19</a:t>
             </a:fld>
             <a:endParaRPr lang="en-US" dirty="0"/>
           </a:p>
@@ -2474,7 +2476,7 @@
             <a:fld id="{48A87A34-81AB-432B-8DAE-1953F412C126}" type="datetimeFigureOut">
               <a:rPr lang="en-US" smtClean="0"/>
               <a:pPr/>
-              <a:t>10/27/19</a:t>
+              <a:t>10/30/19</a:t>
             </a:fld>
             <a:endParaRPr lang="en-US" dirty="0"/>
           </a:p>
@@ -2645,7 +2647,7 @@
           <a:p>
             <a:fld id="{48A87A34-81AB-432B-8DAE-1953F412C126}" type="datetimeFigureOut">
               <a:rPr lang="en-US" smtClean="0"/>
-              <a:t>10/27/19</a:t>
+              <a:t>10/30/19</a:t>
             </a:fld>
             <a:endParaRPr lang="en-US" dirty="0"/>
           </a:p>
@@ -2825,7 +2827,7 @@
           <a:p>
             <a:fld id="{48A87A34-81AB-432B-8DAE-1953F412C126}" type="datetimeFigureOut">
               <a:rPr lang="en-US" smtClean="0"/>
-              <a:t>10/27/19</a:t>
+              <a:t>10/30/19</a:t>
             </a:fld>
             <a:endParaRPr lang="en-US" dirty="0"/>
           </a:p>
@@ -2995,7 +2997,7 @@
           <a:p>
             <a:fld id="{48A87A34-81AB-432B-8DAE-1953F412C126}" type="datetimeFigureOut">
               <a:rPr lang="en-US" smtClean="0"/>
-              <a:t>10/27/19</a:t>
+              <a:t>10/30/19</a:t>
             </a:fld>
             <a:endParaRPr lang="en-US" dirty="0"/>
           </a:p>
@@ -3242,7 +3244,7 @@
           <a:p>
             <a:fld id="{48A87A34-81AB-432B-8DAE-1953F412C126}" type="datetimeFigureOut">
               <a:rPr lang="en-US" smtClean="0"/>
-              <a:t>10/27/19</a:t>
+              <a:t>10/30/19</a:t>
             </a:fld>
             <a:endParaRPr lang="en-US" dirty="0"/>
           </a:p>
@@ -3474,7 +3476,7 @@
           <a:p>
             <a:fld id="{48A87A34-81AB-432B-8DAE-1953F412C126}" type="datetimeFigureOut">
               <a:rPr lang="en-US" smtClean="0"/>
-              <a:t>10/27/19</a:t>
+              <a:t>10/30/19</a:t>
             </a:fld>
             <a:endParaRPr lang="en-US" dirty="0"/>
           </a:p>
@@ -3848,7 +3850,7 @@
           <a:p>
             <a:fld id="{48A87A34-81AB-432B-8DAE-1953F412C126}" type="datetimeFigureOut">
               <a:rPr lang="en-US" smtClean="0"/>
-              <a:t>10/27/19</a:t>
+              <a:t>10/30/19</a:t>
             </a:fld>
             <a:endParaRPr lang="en-US" dirty="0"/>
           </a:p>
@@ -3971,7 +3973,7 @@
           <a:p>
             <a:fld id="{48A87A34-81AB-432B-8DAE-1953F412C126}" type="datetimeFigureOut">
               <a:rPr lang="en-US" smtClean="0"/>
-              <a:t>10/27/19</a:t>
+              <a:t>10/30/19</a:t>
             </a:fld>
             <a:endParaRPr lang="en-US" dirty="0"/>
           </a:p>
@@ -4066,7 +4068,7 @@
           <a:p>
             <a:fld id="{48A87A34-81AB-432B-8DAE-1953F412C126}" type="datetimeFigureOut">
               <a:rPr lang="en-US" smtClean="0"/>
-              <a:t>10/27/19</a:t>
+              <a:t>10/30/19</a:t>
             </a:fld>
             <a:endParaRPr lang="en-US" dirty="0"/>
           </a:p>
@@ -4321,7 +4323,7 @@
           <a:p>
             <a:fld id="{48A87A34-81AB-432B-8DAE-1953F412C126}" type="datetimeFigureOut">
               <a:rPr lang="en-US" smtClean="0"/>
-              <a:t>10/27/19</a:t>
+              <a:t>10/30/19</a:t>
             </a:fld>
             <a:endParaRPr lang="en-US" dirty="0"/>
           </a:p>
@@ -4626,7 +4628,7 @@
           <a:p>
             <a:fld id="{48A87A34-81AB-432B-8DAE-1953F412C126}" type="datetimeFigureOut">
               <a:rPr lang="en-US" smtClean="0"/>
-              <a:t>10/27/19</a:t>
+              <a:t>10/30/19</a:t>
             </a:fld>
             <a:endParaRPr lang="en-US" dirty="0"/>
           </a:p>
@@ -5329,7 +5331,7 @@
             <a:fld id="{48A87A34-81AB-432B-8DAE-1953F412C126}" type="datetimeFigureOut">
               <a:rPr lang="en-US" smtClean="0"/>
               <a:pPr/>
-              <a:t>10/27/19</a:t>
+              <a:t>10/30/19</a:t>
             </a:fld>
             <a:endParaRPr lang="en-US" dirty="0"/>
           </a:p>
@@ -6164,6 +6166,172 @@
 </p:sld>
 </file>
 
+<file path=ppt/slides/slide4.xml><?xml version="1.0" encoding="utf-8"?>
+<p:sld xmlns:a="http://schemas.openxmlformats.org/drawingml/2006/main" xmlns:r="http://schemas.openxmlformats.org/officeDocument/2006/relationships" xmlns:p="http://schemas.openxmlformats.org/presentationml/2006/main">
+  <p:cSld>
+    <p:spTree>
+      <p:nvGrpSpPr>
+        <p:cNvPr id="1" name=""/>
+        <p:cNvGrpSpPr/>
+        <p:nvPr/>
+      </p:nvGrpSpPr>
+      <p:grpSpPr>
+        <a:xfrm>
+          <a:off x="0" y="0"/>
+          <a:ext cx="0" cy="0"/>
+          <a:chOff x="0" y="0"/>
+          <a:chExt cx="0" cy="0"/>
+        </a:xfrm>
+      </p:grpSpPr>
+      <p:sp>
+        <p:nvSpPr>
+          <p:cNvPr id="2" name="Title 1">
+            <a:extLst>
+              <a:ext uri="{FF2B5EF4-FFF2-40B4-BE49-F238E27FC236}">
+                <a16:creationId xmlns:a16="http://schemas.microsoft.com/office/drawing/2014/main" id="{51D02CAE-D752-DA41-A661-DDECC2205F21}"/>
+              </a:ext>
+            </a:extLst>
+          </p:cNvPr>
+          <p:cNvSpPr>
+            <a:spLocks noGrp="1"/>
+          </p:cNvSpPr>
+          <p:nvPr>
+            <p:ph type="title"/>
+          </p:nvPr>
+        </p:nvSpPr>
+        <p:spPr/>
+        <p:txBody>
+          <a:bodyPr/>
+          <a:lstStyle/>
+          <a:p>
+            <a:r>
+              <a:rPr lang="en-US" dirty="0"/>
+              <a:t>How To Play</a:t>
+            </a:r>
+          </a:p>
+        </p:txBody>
+      </p:sp>
+      <p:sp>
+        <p:nvSpPr>
+          <p:cNvPr id="3" name="Content Placeholder 2">
+            <a:extLst>
+              <a:ext uri="{FF2B5EF4-FFF2-40B4-BE49-F238E27FC236}">
+                <a16:creationId xmlns:a16="http://schemas.microsoft.com/office/drawing/2014/main" id="{D16E7095-875F-7B4E-803E-CF89E2F844DC}"/>
+              </a:ext>
+            </a:extLst>
+          </p:cNvPr>
+          <p:cNvSpPr>
+            <a:spLocks noGrp="1"/>
+          </p:cNvSpPr>
+          <p:nvPr>
+            <p:ph idx="1"/>
+          </p:nvPr>
+        </p:nvSpPr>
+        <p:spPr/>
+        <p:txBody>
+          <a:bodyPr/>
+          <a:lstStyle/>
+          <a:p>
+            <a:endParaRPr lang="en-US"/>
+          </a:p>
+        </p:txBody>
+      </p:sp>
+    </p:spTree>
+    <p:extLst>
+      <p:ext uri="{BB962C8B-B14F-4D97-AF65-F5344CB8AC3E}">
+        <p14:creationId xmlns:p14="http://schemas.microsoft.com/office/powerpoint/2010/main" val="741852755"/>
+      </p:ext>
+    </p:extLst>
+  </p:cSld>
+  <p:clrMapOvr>
+    <a:masterClrMapping/>
+  </p:clrMapOvr>
+</p:sld>
+</file>
+
+<file path=ppt/slides/slide5.xml><?xml version="1.0" encoding="utf-8"?>
+<p:sld xmlns:a="http://schemas.openxmlformats.org/drawingml/2006/main" xmlns:r="http://schemas.openxmlformats.org/officeDocument/2006/relationships" xmlns:p="http://schemas.openxmlformats.org/presentationml/2006/main">
+  <p:cSld>
+    <p:spTree>
+      <p:nvGrpSpPr>
+        <p:cNvPr id="1" name=""/>
+        <p:cNvGrpSpPr/>
+        <p:nvPr/>
+      </p:nvGrpSpPr>
+      <p:grpSpPr>
+        <a:xfrm>
+          <a:off x="0" y="0"/>
+          <a:ext cx="0" cy="0"/>
+          <a:chOff x="0" y="0"/>
+          <a:chExt cx="0" cy="0"/>
+        </a:xfrm>
+      </p:grpSpPr>
+      <p:sp>
+        <p:nvSpPr>
+          <p:cNvPr id="2" name="Title 1">
+            <a:extLst>
+              <a:ext uri="{FF2B5EF4-FFF2-40B4-BE49-F238E27FC236}">
+                <a16:creationId xmlns:a16="http://schemas.microsoft.com/office/drawing/2014/main" id="{21F46E88-4CC6-A84A-9CC7-E84B0A809764}"/>
+              </a:ext>
+            </a:extLst>
+          </p:cNvPr>
+          <p:cNvSpPr>
+            <a:spLocks noGrp="1"/>
+          </p:cNvSpPr>
+          <p:nvPr>
+            <p:ph type="title"/>
+          </p:nvPr>
+        </p:nvSpPr>
+        <p:spPr/>
+        <p:txBody>
+          <a:bodyPr/>
+          <a:lstStyle/>
+          <a:p>
+            <a:r>
+              <a:rPr lang="en-US" dirty="0"/>
+              <a:t>Playtesting</a:t>
+            </a:r>
+          </a:p>
+        </p:txBody>
+      </p:sp>
+      <p:sp>
+        <p:nvSpPr>
+          <p:cNvPr id="3" name="Content Placeholder 2">
+            <a:extLst>
+              <a:ext uri="{FF2B5EF4-FFF2-40B4-BE49-F238E27FC236}">
+                <a16:creationId xmlns:a16="http://schemas.microsoft.com/office/drawing/2014/main" id="{635763B3-D813-534E-8839-36CF3CBD0FAD}"/>
+              </a:ext>
+            </a:extLst>
+          </p:cNvPr>
+          <p:cNvSpPr>
+            <a:spLocks noGrp="1"/>
+          </p:cNvSpPr>
+          <p:nvPr>
+            <p:ph idx="1"/>
+          </p:nvPr>
+        </p:nvSpPr>
+        <p:spPr/>
+        <p:txBody>
+          <a:bodyPr/>
+          <a:lstStyle/>
+          <a:p>
+            <a:endParaRPr lang="en-US"/>
+          </a:p>
+        </p:txBody>
+      </p:sp>
+    </p:spTree>
+    <p:extLst>
+      <p:ext uri="{BB962C8B-B14F-4D97-AF65-F5344CB8AC3E}">
+        <p14:creationId xmlns:p14="http://schemas.microsoft.com/office/powerpoint/2010/main" val="2271308908"/>
+      </p:ext>
+    </p:extLst>
+  </p:cSld>
+  <p:clrMapOvr>
+    <a:masterClrMapping/>
+  </p:clrMapOvr>
+</p:sld>
+</file>
+
 <file path=ppt/theme/theme1.xml><?xml version="1.0" encoding="utf-8"?>
 <a:theme xmlns:a="http://schemas.openxmlformats.org/drawingml/2006/main" name="Facet">
   <a:themeElements>

--- a/2DBoatRacePresentation.pptx
+++ b/2DBoatRacePresentation.pptx
@@ -8,8 +8,10 @@
     <p:sldId id="256" r:id="rId2"/>
     <p:sldId id="257" r:id="rId3"/>
     <p:sldId id="258" r:id="rId4"/>
-    <p:sldId id="259" r:id="rId5"/>
-    <p:sldId id="260" r:id="rId6"/>
+    <p:sldId id="262" r:id="rId5"/>
+    <p:sldId id="259" r:id="rId6"/>
+    <p:sldId id="260" r:id="rId7"/>
+    <p:sldId id="261" r:id="rId8"/>
   </p:sldIdLst>
   <p:sldSz cx="12192000" cy="6858000"/>
   <p:notesSz cx="6858000" cy="9144000"/>
@@ -862,7 +864,7 @@
             <a:fld id="{48A87A34-81AB-432B-8DAE-1953F412C126}" type="datetimeFigureOut">
               <a:rPr lang="en-US" smtClean="0"/>
               <a:pPr/>
-              <a:t>10/30/19</a:t>
+              <a:t>11/1/19</a:t>
             </a:fld>
             <a:endParaRPr lang="en-US" dirty="0"/>
           </a:p>
@@ -1114,7 +1116,7 @@
             <a:fld id="{48A87A34-81AB-432B-8DAE-1953F412C126}" type="datetimeFigureOut">
               <a:rPr lang="en-US" smtClean="0"/>
               <a:pPr/>
-              <a:t>10/30/19</a:t>
+              <a:t>11/1/19</a:t>
             </a:fld>
             <a:endParaRPr lang="en-US" dirty="0"/>
           </a:p>
@@ -1430,7 +1432,7 @@
             <a:fld id="{48A87A34-81AB-432B-8DAE-1953F412C126}" type="datetimeFigureOut">
               <a:rPr lang="en-US" smtClean="0"/>
               <a:pPr/>
-              <a:t>10/30/19</a:t>
+              <a:t>11/1/19</a:t>
             </a:fld>
             <a:endParaRPr lang="en-US" dirty="0"/>
           </a:p>
@@ -1765,7 +1767,7 @@
             <a:fld id="{48A87A34-81AB-432B-8DAE-1953F412C126}" type="datetimeFigureOut">
               <a:rPr lang="en-US" smtClean="0"/>
               <a:pPr/>
-              <a:t>10/30/19</a:t>
+              <a:t>11/1/19</a:t>
             </a:fld>
             <a:endParaRPr lang="en-US" dirty="0"/>
           </a:p>
@@ -2081,7 +2083,7 @@
             <a:fld id="{48A87A34-81AB-432B-8DAE-1953F412C126}" type="datetimeFigureOut">
               <a:rPr lang="en-US" smtClean="0"/>
               <a:pPr/>
-              <a:t>10/30/19</a:t>
+              <a:t>11/1/19</a:t>
             </a:fld>
             <a:endParaRPr lang="en-US" dirty="0"/>
           </a:p>
@@ -2476,7 +2478,7 @@
             <a:fld id="{48A87A34-81AB-432B-8DAE-1953F412C126}" type="datetimeFigureOut">
               <a:rPr lang="en-US" smtClean="0"/>
               <a:pPr/>
-              <a:t>10/30/19</a:t>
+              <a:t>11/1/19</a:t>
             </a:fld>
             <a:endParaRPr lang="en-US" dirty="0"/>
           </a:p>
@@ -2647,7 +2649,7 @@
           <a:p>
             <a:fld id="{48A87A34-81AB-432B-8DAE-1953F412C126}" type="datetimeFigureOut">
               <a:rPr lang="en-US" smtClean="0"/>
-              <a:t>10/30/19</a:t>
+              <a:t>11/1/19</a:t>
             </a:fld>
             <a:endParaRPr lang="en-US" dirty="0"/>
           </a:p>
@@ -2827,7 +2829,7 @@
           <a:p>
             <a:fld id="{48A87A34-81AB-432B-8DAE-1953F412C126}" type="datetimeFigureOut">
               <a:rPr lang="en-US" smtClean="0"/>
-              <a:t>10/30/19</a:t>
+              <a:t>11/1/19</a:t>
             </a:fld>
             <a:endParaRPr lang="en-US" dirty="0"/>
           </a:p>
@@ -2997,7 +2999,7 @@
           <a:p>
             <a:fld id="{48A87A34-81AB-432B-8DAE-1953F412C126}" type="datetimeFigureOut">
               <a:rPr lang="en-US" smtClean="0"/>
-              <a:t>10/30/19</a:t>
+              <a:t>11/1/19</a:t>
             </a:fld>
             <a:endParaRPr lang="en-US" dirty="0"/>
           </a:p>
@@ -3244,7 +3246,7 @@
           <a:p>
             <a:fld id="{48A87A34-81AB-432B-8DAE-1953F412C126}" type="datetimeFigureOut">
               <a:rPr lang="en-US" smtClean="0"/>
-              <a:t>10/30/19</a:t>
+              <a:t>11/1/19</a:t>
             </a:fld>
             <a:endParaRPr lang="en-US" dirty="0"/>
           </a:p>
@@ -3476,7 +3478,7 @@
           <a:p>
             <a:fld id="{48A87A34-81AB-432B-8DAE-1953F412C126}" type="datetimeFigureOut">
               <a:rPr lang="en-US" smtClean="0"/>
-              <a:t>10/30/19</a:t>
+              <a:t>11/1/19</a:t>
             </a:fld>
             <a:endParaRPr lang="en-US" dirty="0"/>
           </a:p>
@@ -3850,7 +3852,7 @@
           <a:p>
             <a:fld id="{48A87A34-81AB-432B-8DAE-1953F412C126}" type="datetimeFigureOut">
               <a:rPr lang="en-US" smtClean="0"/>
-              <a:t>10/30/19</a:t>
+              <a:t>11/1/19</a:t>
             </a:fld>
             <a:endParaRPr lang="en-US" dirty="0"/>
           </a:p>
@@ -3973,7 +3975,7 @@
           <a:p>
             <a:fld id="{48A87A34-81AB-432B-8DAE-1953F412C126}" type="datetimeFigureOut">
               <a:rPr lang="en-US" smtClean="0"/>
-              <a:t>10/30/19</a:t>
+              <a:t>11/1/19</a:t>
             </a:fld>
             <a:endParaRPr lang="en-US" dirty="0"/>
           </a:p>
@@ -4068,7 +4070,7 @@
           <a:p>
             <a:fld id="{48A87A34-81AB-432B-8DAE-1953F412C126}" type="datetimeFigureOut">
               <a:rPr lang="en-US" smtClean="0"/>
-              <a:t>10/30/19</a:t>
+              <a:t>11/1/19</a:t>
             </a:fld>
             <a:endParaRPr lang="en-US" dirty="0"/>
           </a:p>
@@ -4323,7 +4325,7 @@
           <a:p>
             <a:fld id="{48A87A34-81AB-432B-8DAE-1953F412C126}" type="datetimeFigureOut">
               <a:rPr lang="en-US" smtClean="0"/>
-              <a:t>10/30/19</a:t>
+              <a:t>11/1/19</a:t>
             </a:fld>
             <a:endParaRPr lang="en-US" dirty="0"/>
           </a:p>
@@ -4628,7 +4630,7 @@
           <a:p>
             <a:fld id="{48A87A34-81AB-432B-8DAE-1953F412C126}" type="datetimeFigureOut">
               <a:rPr lang="en-US" smtClean="0"/>
-              <a:t>10/30/19</a:t>
+              <a:t>11/1/19</a:t>
             </a:fld>
             <a:endParaRPr lang="en-US" dirty="0"/>
           </a:p>
@@ -5331,7 +5333,7 @@
             <a:fld id="{48A87A34-81AB-432B-8DAE-1953F412C126}" type="datetimeFigureOut">
               <a:rPr lang="en-US" smtClean="0"/>
               <a:pPr/>
-              <a:t>10/30/19</a:t>
+              <a:t>11/1/19</a:t>
             </a:fld>
             <a:endParaRPr lang="en-US" dirty="0"/>
           </a:p>
@@ -6188,7 +6190,7 @@
           <p:cNvPr id="2" name="Title 1">
             <a:extLst>
               <a:ext uri="{FF2B5EF4-FFF2-40B4-BE49-F238E27FC236}">
-                <a16:creationId xmlns:a16="http://schemas.microsoft.com/office/drawing/2014/main" id="{51D02CAE-D752-DA41-A661-DDECC2205F21}"/>
+                <a16:creationId xmlns:a16="http://schemas.microsoft.com/office/drawing/2014/main" id="{2D2CBD50-DEAA-4F40-A4B0-ED0135DB49B2}"/>
               </a:ext>
             </a:extLst>
           </p:cNvPr>
@@ -6206,7 +6208,7 @@
           <a:p>
             <a:r>
               <a:rPr lang="en-US" dirty="0"/>
-              <a:t>How To Play</a:t>
+              <a:t>Controls</a:t>
             </a:r>
           </a:p>
         </p:txBody>
@@ -6216,7 +6218,7 @@
           <p:cNvPr id="3" name="Content Placeholder 2">
             <a:extLst>
               <a:ext uri="{FF2B5EF4-FFF2-40B4-BE49-F238E27FC236}">
-                <a16:creationId xmlns:a16="http://schemas.microsoft.com/office/drawing/2014/main" id="{D16E7095-875F-7B4E-803E-CF89E2F844DC}"/>
+                <a16:creationId xmlns:a16="http://schemas.microsoft.com/office/drawing/2014/main" id="{76DFB6D7-5A18-0D4F-B9B7-B0E0E1F4BE0A}"/>
               </a:ext>
             </a:extLst>
           </p:cNvPr>
@@ -6232,14 +6234,23 @@
           <a:bodyPr/>
           <a:lstStyle/>
           <a:p>
-            <a:endParaRPr lang="en-US"/>
+            <a:r>
+              <a:rPr lang="en-US" dirty="0"/>
+              <a:t>W, A, S, D keys.</a:t>
+            </a:r>
+          </a:p>
+          <a:p>
+            <a:r>
+              <a:rPr lang="en-US" dirty="0"/>
+              <a:t>An Xbox One controller can be used. The left joystick is used to move the boat up and down and the right joystick is used to rotate left and right.</a:t>
+            </a:r>
           </a:p>
         </p:txBody>
       </p:sp>
     </p:spTree>
     <p:extLst>
       <p:ext uri="{BB962C8B-B14F-4D97-AF65-F5344CB8AC3E}">
-        <p14:creationId xmlns:p14="http://schemas.microsoft.com/office/powerpoint/2010/main" val="741852755"/>
+        <p14:creationId xmlns:p14="http://schemas.microsoft.com/office/powerpoint/2010/main" val="1989486101"/>
       </p:ext>
     </p:extLst>
   </p:cSld>
@@ -6271,6 +6282,89 @@
           <p:cNvPr id="2" name="Title 1">
             <a:extLst>
               <a:ext uri="{FF2B5EF4-FFF2-40B4-BE49-F238E27FC236}">
+                <a16:creationId xmlns:a16="http://schemas.microsoft.com/office/drawing/2014/main" id="{51D02CAE-D752-DA41-A661-DDECC2205F21}"/>
+              </a:ext>
+            </a:extLst>
+          </p:cNvPr>
+          <p:cNvSpPr>
+            <a:spLocks noGrp="1"/>
+          </p:cNvSpPr>
+          <p:nvPr>
+            <p:ph type="title"/>
+          </p:nvPr>
+        </p:nvSpPr>
+        <p:spPr/>
+        <p:txBody>
+          <a:bodyPr/>
+          <a:lstStyle/>
+          <a:p>
+            <a:r>
+              <a:rPr lang="en-US" dirty="0"/>
+              <a:t>How To Play</a:t>
+            </a:r>
+          </a:p>
+        </p:txBody>
+      </p:sp>
+      <p:sp>
+        <p:nvSpPr>
+          <p:cNvPr id="3" name="Content Placeholder 2">
+            <a:extLst>
+              <a:ext uri="{FF2B5EF4-FFF2-40B4-BE49-F238E27FC236}">
+                <a16:creationId xmlns:a16="http://schemas.microsoft.com/office/drawing/2014/main" id="{D16E7095-875F-7B4E-803E-CF89E2F844DC}"/>
+              </a:ext>
+            </a:extLst>
+          </p:cNvPr>
+          <p:cNvSpPr>
+            <a:spLocks noGrp="1"/>
+          </p:cNvSpPr>
+          <p:nvPr>
+            <p:ph idx="1"/>
+          </p:nvPr>
+        </p:nvSpPr>
+        <p:spPr/>
+        <p:txBody>
+          <a:bodyPr/>
+          <a:lstStyle/>
+          <a:p>
+            <a:endParaRPr lang="en-US"/>
+          </a:p>
+        </p:txBody>
+      </p:sp>
+    </p:spTree>
+    <p:extLst>
+      <p:ext uri="{BB962C8B-B14F-4D97-AF65-F5344CB8AC3E}">
+        <p14:creationId xmlns:p14="http://schemas.microsoft.com/office/powerpoint/2010/main" val="741852755"/>
+      </p:ext>
+    </p:extLst>
+  </p:cSld>
+  <p:clrMapOvr>
+    <a:masterClrMapping/>
+  </p:clrMapOvr>
+</p:sld>
+</file>
+
+<file path=ppt/slides/slide6.xml><?xml version="1.0" encoding="utf-8"?>
+<p:sld xmlns:a="http://schemas.openxmlformats.org/drawingml/2006/main" xmlns:r="http://schemas.openxmlformats.org/officeDocument/2006/relationships" xmlns:p="http://schemas.openxmlformats.org/presentationml/2006/main">
+  <p:cSld>
+    <p:spTree>
+      <p:nvGrpSpPr>
+        <p:cNvPr id="1" name=""/>
+        <p:cNvGrpSpPr/>
+        <p:nvPr/>
+      </p:nvGrpSpPr>
+      <p:grpSpPr>
+        <a:xfrm>
+          <a:off x="0" y="0"/>
+          <a:ext cx="0" cy="0"/>
+          <a:chOff x="0" y="0"/>
+          <a:chExt cx="0" cy="0"/>
+        </a:xfrm>
+      </p:grpSpPr>
+      <p:sp>
+        <p:nvSpPr>
+          <p:cNvPr id="2" name="Title 1">
+            <a:extLst>
+              <a:ext uri="{FF2B5EF4-FFF2-40B4-BE49-F238E27FC236}">
                 <a16:creationId xmlns:a16="http://schemas.microsoft.com/office/drawing/2014/main" id="{21F46E88-4CC6-A84A-9CC7-E84B0A809764}"/>
               </a:ext>
             </a:extLst>
@@ -6323,6 +6417,133 @@
     <p:extLst>
       <p:ext uri="{BB962C8B-B14F-4D97-AF65-F5344CB8AC3E}">
         <p14:creationId xmlns:p14="http://schemas.microsoft.com/office/powerpoint/2010/main" val="2271308908"/>
+      </p:ext>
+    </p:extLst>
+  </p:cSld>
+  <p:clrMapOvr>
+    <a:masterClrMapping/>
+  </p:clrMapOvr>
+</p:sld>
+</file>
+
+<file path=ppt/slides/slide7.xml><?xml version="1.0" encoding="utf-8"?>
+<p:sld xmlns:a="http://schemas.openxmlformats.org/drawingml/2006/main" xmlns:r="http://schemas.openxmlformats.org/officeDocument/2006/relationships" xmlns:p="http://schemas.openxmlformats.org/presentationml/2006/main">
+  <p:cSld>
+    <p:spTree>
+      <p:nvGrpSpPr>
+        <p:cNvPr id="1" name=""/>
+        <p:cNvGrpSpPr/>
+        <p:nvPr/>
+      </p:nvGrpSpPr>
+      <p:grpSpPr>
+        <a:xfrm>
+          <a:off x="0" y="0"/>
+          <a:ext cx="0" cy="0"/>
+          <a:chOff x="0" y="0"/>
+          <a:chExt cx="0" cy="0"/>
+        </a:xfrm>
+      </p:grpSpPr>
+      <p:sp>
+        <p:nvSpPr>
+          <p:cNvPr id="2" name="Title 1">
+            <a:extLst>
+              <a:ext uri="{FF2B5EF4-FFF2-40B4-BE49-F238E27FC236}">
+                <a16:creationId xmlns:a16="http://schemas.microsoft.com/office/drawing/2014/main" id="{616803A3-9A48-564F-8768-D3445B2EF217}"/>
+              </a:ext>
+            </a:extLst>
+          </p:cNvPr>
+          <p:cNvSpPr>
+            <a:spLocks noGrp="1"/>
+          </p:cNvSpPr>
+          <p:nvPr>
+            <p:ph type="title"/>
+          </p:nvPr>
+        </p:nvSpPr>
+        <p:spPr/>
+        <p:txBody>
+          <a:bodyPr/>
+          <a:lstStyle/>
+          <a:p>
+            <a:r>
+              <a:rPr lang="en-US" dirty="0"/>
+              <a:t>References</a:t>
+            </a:r>
+          </a:p>
+        </p:txBody>
+      </p:sp>
+      <p:sp>
+        <p:nvSpPr>
+          <p:cNvPr id="3" name="Content Placeholder 2">
+            <a:extLst>
+              <a:ext uri="{FF2B5EF4-FFF2-40B4-BE49-F238E27FC236}">
+                <a16:creationId xmlns:a16="http://schemas.microsoft.com/office/drawing/2014/main" id="{25DFBB39-79DD-234E-ABCC-66735864C10A}"/>
+              </a:ext>
+            </a:extLst>
+          </p:cNvPr>
+          <p:cNvSpPr>
+            <a:spLocks noGrp="1"/>
+          </p:cNvSpPr>
+          <p:nvPr>
+            <p:ph idx="1"/>
+          </p:nvPr>
+        </p:nvSpPr>
+        <p:spPr/>
+        <p:txBody>
+          <a:bodyPr/>
+          <a:lstStyle/>
+          <a:p>
+            <a:r>
+              <a:rPr lang="en-US" dirty="0"/>
+              <a:t>Creating a Continuous Scrolling Background: </a:t>
+            </a:r>
+            <a:r>
+              <a:rPr lang="en-GB" dirty="0">
+                <a:hlinkClick r:id="rId2"/>
+              </a:rPr>
+              <a:t>https://www.youtube.com/watch?v=epRPKFsOPck</a:t>
+            </a:r>
+            <a:r>
+              <a:rPr lang="en-GB" dirty="0"/>
+              <a:t> </a:t>
+            </a:r>
+            <a:endParaRPr lang="en-US" dirty="0"/>
+          </a:p>
+          <a:p>
+            <a:r>
+              <a:rPr lang="en-US" dirty="0"/>
+              <a:t>Xbox Controller Inputs: </a:t>
+            </a:r>
+            <a:r>
+              <a:rPr lang="en-GB" dirty="0">
+                <a:hlinkClick r:id="rId3"/>
+              </a:rPr>
+              <a:t>https://www.bing.com/videos/search?q=xbox+controller+input+unity&amp;view=detail&amp;mid=461D1E7EAD29C617DA98461D1E7EAD29C617DA98&amp;FORM=VIRE</a:t>
+            </a:r>
+            <a:r>
+              <a:rPr lang="en-GB" dirty="0"/>
+              <a:t> </a:t>
+            </a:r>
+            <a:endParaRPr lang="en-US" dirty="0"/>
+          </a:p>
+          <a:p>
+            <a:r>
+              <a:rPr lang="en-US" dirty="0"/>
+              <a:t>Animation Switching: </a:t>
+            </a:r>
+            <a:r>
+              <a:rPr lang="en-GB" dirty="0">
+                <a:hlinkClick r:id="rId4"/>
+              </a:rPr>
+              <a:t>https://www.youtube.com/watch?v=HVCsg_62xYw</a:t>
+            </a:r>
+            <a:endParaRPr lang="en-US" dirty="0"/>
+          </a:p>
+        </p:txBody>
+      </p:sp>
+    </p:spTree>
+    <p:extLst>
+      <p:ext uri="{BB962C8B-B14F-4D97-AF65-F5344CB8AC3E}">
+        <p14:creationId xmlns:p14="http://schemas.microsoft.com/office/powerpoint/2010/main" val="2464608988"/>
       </p:ext>
     </p:extLst>
   </p:cSld>

--- a/2DBoatRacePresentation.pptx
+++ b/2DBoatRacePresentation.pptx
@@ -6326,7 +6326,28 @@
           <a:bodyPr/>
           <a:lstStyle/>
           <a:p>
-            <a:endParaRPr lang="en-US"/>
+            <a:r>
+              <a:rPr lang="en-US" dirty="0"/>
+              <a:t>The player has to dodge obstacles and try to get coins to increase the score. The longer the timer goes on the more of a bonus the player gets to the score.</a:t>
+            </a:r>
+          </a:p>
+          <a:p>
+            <a:r>
+              <a:rPr lang="en-US" dirty="0"/>
+              <a:t>Obstacles take away health from the player.</a:t>
+            </a:r>
+          </a:p>
+          <a:p>
+            <a:r>
+              <a:rPr lang="en-US" dirty="0"/>
+              <a:t>Once the player’s health hits 0 a life is taken away from the player.</a:t>
+            </a:r>
+          </a:p>
+          <a:p>
+            <a:r>
+              <a:rPr lang="en-US" dirty="0"/>
+              <a:t>When the player is out of lives the game ends and the score bonus is added.</a:t>
+            </a:r>
           </a:p>
         </p:txBody>
       </p:sp>
@@ -6409,7 +6430,10 @@
           <a:bodyPr/>
           <a:lstStyle/>
           <a:p>
-            <a:endParaRPr lang="en-US"/>
+            <a:r>
+              <a:rPr lang="en-US" dirty="0"/>
+              <a:t>During internal playtesting it was revealed that obstacles were not spawning enough so I decreased the frame rate in-between obstacles spawning.</a:t>
+            </a:r>
           </a:p>
         </p:txBody>
       </p:sp>
